--- a/misc/buttons.pptx
+++ b/misc/buttons.pptx
@@ -197,7 +197,7 @@
           <a:p>
             <a:fld id="{F93FD218-EFF3-40C5-866D-41D18BDC6D38}" type="datetimeFigureOut">
               <a:rPr lang="en-US" smtClean="0"/>
-              <a:t>4/24/2016</a:t>
+              <a:t>5/9/2016</a:t>
             </a:fld>
             <a:endParaRPr lang="en-US"/>
           </a:p>
@@ -680,7 +680,7 @@
           <a:p>
             <a:fld id="{1BE169FF-B685-44E8-A3F0-1FFDDF01A7C5}" type="datetimeFigureOut">
               <a:rPr lang="en-US" smtClean="0"/>
-              <a:t>4/24/2016</a:t>
+              <a:t>5/9/2016</a:t>
             </a:fld>
             <a:endParaRPr lang="en-US"/>
           </a:p>
@@ -850,7 +850,7 @@
           <a:p>
             <a:fld id="{1BE169FF-B685-44E8-A3F0-1FFDDF01A7C5}" type="datetimeFigureOut">
               <a:rPr lang="en-US" smtClean="0"/>
-              <a:t>4/24/2016</a:t>
+              <a:t>5/9/2016</a:t>
             </a:fld>
             <a:endParaRPr lang="en-US"/>
           </a:p>
@@ -1030,7 +1030,7 @@
           <a:p>
             <a:fld id="{1BE169FF-B685-44E8-A3F0-1FFDDF01A7C5}" type="datetimeFigureOut">
               <a:rPr lang="en-US" smtClean="0"/>
-              <a:t>4/24/2016</a:t>
+              <a:t>5/9/2016</a:t>
             </a:fld>
             <a:endParaRPr lang="en-US"/>
           </a:p>
@@ -1200,7 +1200,7 @@
           <a:p>
             <a:fld id="{1BE169FF-B685-44E8-A3F0-1FFDDF01A7C5}" type="datetimeFigureOut">
               <a:rPr lang="en-US" smtClean="0"/>
-              <a:t>4/24/2016</a:t>
+              <a:t>5/9/2016</a:t>
             </a:fld>
             <a:endParaRPr lang="en-US"/>
           </a:p>
@@ -1444,7 +1444,7 @@
           <a:p>
             <a:fld id="{1BE169FF-B685-44E8-A3F0-1FFDDF01A7C5}" type="datetimeFigureOut">
               <a:rPr lang="en-US" smtClean="0"/>
-              <a:t>4/24/2016</a:t>
+              <a:t>5/9/2016</a:t>
             </a:fld>
             <a:endParaRPr lang="en-US"/>
           </a:p>
@@ -1676,7 +1676,7 @@
           <a:p>
             <a:fld id="{1BE169FF-B685-44E8-A3F0-1FFDDF01A7C5}" type="datetimeFigureOut">
               <a:rPr lang="en-US" smtClean="0"/>
-              <a:t>4/24/2016</a:t>
+              <a:t>5/9/2016</a:t>
             </a:fld>
             <a:endParaRPr lang="en-US"/>
           </a:p>
@@ -2043,7 +2043,7 @@
           <a:p>
             <a:fld id="{1BE169FF-B685-44E8-A3F0-1FFDDF01A7C5}" type="datetimeFigureOut">
               <a:rPr lang="en-US" smtClean="0"/>
-              <a:t>4/24/2016</a:t>
+              <a:t>5/9/2016</a:t>
             </a:fld>
             <a:endParaRPr lang="en-US"/>
           </a:p>
@@ -2161,7 +2161,7 @@
           <a:p>
             <a:fld id="{1BE169FF-B685-44E8-A3F0-1FFDDF01A7C5}" type="datetimeFigureOut">
               <a:rPr lang="en-US" smtClean="0"/>
-              <a:t>4/24/2016</a:t>
+              <a:t>5/9/2016</a:t>
             </a:fld>
             <a:endParaRPr lang="en-US"/>
           </a:p>
@@ -2256,7 +2256,7 @@
           <a:p>
             <a:fld id="{1BE169FF-B685-44E8-A3F0-1FFDDF01A7C5}" type="datetimeFigureOut">
               <a:rPr lang="en-US" smtClean="0"/>
-              <a:t>4/24/2016</a:t>
+              <a:t>5/9/2016</a:t>
             </a:fld>
             <a:endParaRPr lang="en-US"/>
           </a:p>
@@ -2533,7 +2533,7 @@
           <a:p>
             <a:fld id="{1BE169FF-B685-44E8-A3F0-1FFDDF01A7C5}" type="datetimeFigureOut">
               <a:rPr lang="en-US" smtClean="0"/>
-              <a:t>4/24/2016</a:t>
+              <a:t>5/9/2016</a:t>
             </a:fld>
             <a:endParaRPr lang="en-US"/>
           </a:p>
@@ -2790,7 +2790,7 @@
           <a:p>
             <a:fld id="{1BE169FF-B685-44E8-A3F0-1FFDDF01A7C5}" type="datetimeFigureOut">
               <a:rPr lang="en-US" smtClean="0"/>
-              <a:t>4/24/2016</a:t>
+              <a:t>5/9/2016</a:t>
             </a:fld>
             <a:endParaRPr lang="en-US"/>
           </a:p>
@@ -3003,7 +3003,7 @@
           <a:p>
             <a:fld id="{1BE169FF-B685-44E8-A3F0-1FFDDF01A7C5}" type="datetimeFigureOut">
               <a:rPr lang="en-US" smtClean="0"/>
-              <a:t>4/24/2016</a:t>
+              <a:t>5/9/2016</a:t>
             </a:fld>
             <a:endParaRPr lang="en-US"/>
           </a:p>
@@ -3425,10 +3425,13 @@
           <a:gradFill flip="none" rotWithShape="1">
             <a:gsLst>
               <a:gs pos="100000">
-                <a:srgbClr val="643282"/>
+                <a:srgbClr val="BA5CBC"/>
               </a:gs>
-              <a:gs pos="97000">
-                <a:srgbClr val="D3A4D8"/>
+              <a:gs pos="98000">
+                <a:srgbClr val="D3A4D8">
+                  <a:lumMod val="60000"/>
+                  <a:lumOff val="40000"/>
+                </a:srgbClr>
               </a:gs>
               <a:gs pos="7000">
                 <a:srgbClr val="E0BFE3"/>
@@ -5458,7 +5461,7 @@
         </p:nvSpPr>
         <p:spPr>
           <a:xfrm>
-            <a:off x="24673650" y="4336299"/>
+            <a:off x="23849765" y="8165788"/>
             <a:ext cx="1097280" cy="1097159"/>
           </a:xfrm>
           <a:prstGeom prst="ellipse">
@@ -8593,16 +8596,16 @@
       </p:grpSp>
       <p:grpSp>
         <p:nvGrpSpPr>
-          <p:cNvPr id="20" name="Group 19"/>
+          <p:cNvPr id="17" name="Group 16"/>
           <p:cNvGrpSpPr/>
           <p:nvPr/>
         </p:nvGrpSpPr>
         <p:grpSpPr>
           <a:xfrm>
-            <a:off x="23720394" y="4548784"/>
-            <a:ext cx="823195" cy="824774"/>
-            <a:chOff x="33283491" y="14652781"/>
-            <a:chExt cx="823195" cy="824774"/>
+            <a:off x="23848450" y="4584427"/>
+            <a:ext cx="824510" cy="824774"/>
+            <a:chOff x="4809871" y="8257688"/>
+            <a:chExt cx="824510" cy="824774"/>
           </a:xfrm>
         </p:grpSpPr>
         <p:sp>
@@ -8613,7 +8616,7 @@
           </p:nvSpPr>
           <p:spPr>
             <a:xfrm>
-              <a:off x="33286311" y="14654686"/>
+              <a:off x="4814006" y="8259593"/>
               <a:ext cx="814934" cy="822869"/>
             </a:xfrm>
             <a:prstGeom prst="pie">
@@ -8624,20 +8627,21 @@
             </a:prstGeom>
             <a:gradFill flip="none" rotWithShape="1">
               <a:gsLst>
-                <a:gs pos="29000">
+                <a:gs pos="14000">
+                  <a:schemeClr val="accent6">
+                    <a:lumMod val="20000"/>
+                    <a:lumOff val="80000"/>
+                  </a:schemeClr>
+                </a:gs>
+                <a:gs pos="56000">
                   <a:schemeClr val="accent6">
                     <a:lumMod val="60000"/>
                     <a:lumOff val="40000"/>
                   </a:schemeClr>
                 </a:gs>
-                <a:gs pos="86000">
+                <a:gs pos="88000">
                   <a:schemeClr val="accent6">
                     <a:lumMod val="75000"/>
-                  </a:schemeClr>
-                </a:gs>
-                <a:gs pos="93000">
-                  <a:schemeClr val="accent6">
-                    <a:lumMod val="50000"/>
                   </a:schemeClr>
                 </a:gs>
               </a:gsLst>
@@ -8683,7 +8687,7 @@
           </p:nvSpPr>
           <p:spPr>
             <a:xfrm>
-              <a:off x="33289189" y="14652781"/>
+              <a:off x="4816884" y="8257688"/>
               <a:ext cx="814934" cy="822869"/>
             </a:xfrm>
             <a:prstGeom prst="pie">
@@ -8694,14 +8698,14 @@
             </a:prstGeom>
             <a:gradFill flip="none" rotWithShape="1">
               <a:gsLst>
-                <a:gs pos="29000">
+                <a:gs pos="14000">
+                  <a:srgbClr val="FCE1E0"/>
+                </a:gs>
+                <a:gs pos="56000">
                   <a:srgbClr val="F9B7B5"/>
                 </a:gs>
-                <a:gs pos="86000">
+                <a:gs pos="88000">
                   <a:srgbClr val="D93427"/>
-                </a:gs>
-                <a:gs pos="93000">
-                  <a:srgbClr val="911B1B"/>
                 </a:gs>
               </a:gsLst>
               <a:path path="circle">
@@ -8746,7 +8750,7 @@
           </p:nvSpPr>
           <p:spPr>
             <a:xfrm rot="10800000">
-              <a:off x="33286211" y="14654685"/>
+              <a:off x="4813906" y="8259592"/>
               <a:ext cx="814934" cy="822869"/>
             </a:xfrm>
             <a:prstGeom prst="pie">
@@ -8757,20 +8761,21 @@
             </a:prstGeom>
             <a:gradFill flip="none" rotWithShape="1">
               <a:gsLst>
-                <a:gs pos="29000">
+                <a:gs pos="14000">
+                  <a:schemeClr val="accent4">
+                    <a:lumMod val="40000"/>
+                    <a:lumOff val="60000"/>
+                  </a:schemeClr>
+                </a:gs>
+                <a:gs pos="56000">
                   <a:schemeClr val="accent4">
                     <a:lumMod val="60000"/>
                     <a:lumOff val="40000"/>
                   </a:schemeClr>
                 </a:gs>
-                <a:gs pos="86000">
+                <a:gs pos="88000">
                   <a:schemeClr val="accent4">
                     <a:lumMod val="75000"/>
-                  </a:schemeClr>
-                </a:gs>
-                <a:gs pos="93000">
-                  <a:schemeClr val="accent4">
-                    <a:lumMod val="50000"/>
                   </a:schemeClr>
                 </a:gs>
               </a:gsLst>
@@ -8816,7 +8821,7 @@
           </p:nvSpPr>
           <p:spPr>
             <a:xfrm rot="7245328">
-              <a:off x="33287459" y="14654693"/>
+              <a:off x="4813839" y="8257695"/>
               <a:ext cx="814934" cy="822869"/>
             </a:xfrm>
             <a:prstGeom prst="pie">
@@ -8827,20 +8832,21 @@
             </a:prstGeom>
             <a:gradFill flip="none" rotWithShape="1">
               <a:gsLst>
-                <a:gs pos="29000">
+                <a:gs pos="14000">
+                  <a:schemeClr val="accent2">
+                    <a:lumMod val="20000"/>
+                    <a:lumOff val="80000"/>
+                  </a:schemeClr>
+                </a:gs>
+                <a:gs pos="56000">
                   <a:schemeClr val="accent2">
                     <a:lumMod val="60000"/>
                     <a:lumOff val="40000"/>
                   </a:schemeClr>
                 </a:gs>
-                <a:gs pos="86000">
+                <a:gs pos="88000">
                   <a:schemeClr val="accent2">
                     <a:lumMod val="75000"/>
-                  </a:schemeClr>
-                </a:gs>
-                <a:gs pos="93000">
-                  <a:schemeClr val="accent2">
-                    <a:lumMod val="50000"/>
                   </a:schemeClr>
                 </a:gs>
               </a:gsLst>
@@ -8886,7 +8892,7 @@
           </p:nvSpPr>
           <p:spPr>
             <a:xfrm>
-              <a:off x="33289605" y="14652781"/>
+              <a:off x="4817300" y="8257688"/>
               <a:ext cx="814934" cy="822869"/>
             </a:xfrm>
             <a:prstGeom prst="pie">
@@ -8897,14 +8903,14 @@
             </a:prstGeom>
             <a:gradFill flip="none" rotWithShape="1">
               <a:gsLst>
-                <a:gs pos="29000">
+                <a:gs pos="14000">
+                  <a:srgbClr val="EDD9EF"/>
+                </a:gs>
+                <a:gs pos="56000">
                   <a:srgbClr val="E0BFE3"/>
                 </a:gs>
-                <a:gs pos="86000">
+                <a:gs pos="88000">
                   <a:srgbClr val="BA5CBC"/>
-                </a:gs>
-                <a:gs pos="93000">
-                  <a:srgbClr val="FFFFFF"/>
                 </a:gs>
               </a:gsLst>
               <a:path path="circle">
@@ -8949,7 +8955,7 @@
           </p:nvSpPr>
           <p:spPr>
             <a:xfrm rot="17979313">
-              <a:off x="33287785" y="14653789"/>
+              <a:off x="4815480" y="8258696"/>
               <a:ext cx="814934" cy="822869"/>
             </a:xfrm>
             <a:prstGeom prst="pie">
@@ -8960,20 +8966,21 @@
             </a:prstGeom>
             <a:gradFill flip="none" rotWithShape="1">
               <a:gsLst>
-                <a:gs pos="29000">
+                <a:gs pos="14000">
+                  <a:schemeClr val="accent5">
+                    <a:lumMod val="20000"/>
+                    <a:lumOff val="80000"/>
+                  </a:schemeClr>
+                </a:gs>
+                <a:gs pos="56000">
                   <a:schemeClr val="accent5">
                     <a:lumMod val="60000"/>
                     <a:lumOff val="40000"/>
                   </a:schemeClr>
                 </a:gs>
-                <a:gs pos="86000">
+                <a:gs pos="88000">
                   <a:schemeClr val="accent5">
                     <a:lumMod val="75000"/>
-                  </a:schemeClr>
-                </a:gs>
-                <a:gs pos="93000">
-                  <a:schemeClr val="accent5">
-                    <a:lumMod val="50000"/>
                   </a:schemeClr>
                 </a:gs>
               </a:gsLst>
@@ -38604,8 +38611,11 @@
               <a:gs pos="100000">
                 <a:srgbClr val="D93427"/>
               </a:gs>
-              <a:gs pos="97000">
-                <a:srgbClr val="F5827F"/>
+              <a:gs pos="98000">
+                <a:srgbClr val="F5827F">
+                  <a:lumMod val="60000"/>
+                  <a:lumOff val="40000"/>
+                </a:srgbClr>
               </a:gs>
               <a:gs pos="7000">
                 <a:srgbClr val="FBCECD"/>
@@ -39011,7 +39021,10 @@
                 <a:srgbClr val="D93427"/>
               </a:gs>
               <a:gs pos="99000">
-                <a:srgbClr val="F5827F"/>
+                <a:srgbClr val="F5827F">
+                  <a:lumMod val="60000"/>
+                  <a:lumOff val="40000"/>
+                </a:srgbClr>
               </a:gs>
               <a:gs pos="41000">
                 <a:srgbClr val="FBCECD"/>
@@ -39067,10 +39080,13 @@
           <a:gradFill flip="none" rotWithShape="1">
             <a:gsLst>
               <a:gs pos="100000">
-                <a:srgbClr val="643282"/>
+                <a:srgbClr val="BA5CBC"/>
               </a:gs>
               <a:gs pos="99000">
-                <a:srgbClr val="D3A4D8"/>
+                <a:srgbClr val="D3A4D8">
+                  <a:lumMod val="60000"/>
+                  <a:lumOff val="40000"/>
+                </a:srgbClr>
               </a:gs>
               <a:gs pos="41000">
                 <a:srgbClr val="E0BFE3"/>
@@ -61310,6 +61326,427 @@
           </p:txBody>
         </p:sp>
       </p:grpSp>
+      <p:grpSp>
+        <p:nvGrpSpPr>
+          <p:cNvPr id="1172" name="Group 1171"/>
+          <p:cNvGrpSpPr/>
+          <p:nvPr/>
+        </p:nvGrpSpPr>
+        <p:grpSpPr>
+          <a:xfrm>
+            <a:off x="24798698" y="4565103"/>
+            <a:ext cx="823195" cy="824774"/>
+            <a:chOff x="33283491" y="14652781"/>
+            <a:chExt cx="823195" cy="824774"/>
+          </a:xfrm>
+        </p:grpSpPr>
+        <p:sp>
+          <p:nvSpPr>
+            <p:cNvPr id="1262" name="Pie 1261"/>
+            <p:cNvSpPr/>
+            <p:nvPr/>
+          </p:nvSpPr>
+          <p:spPr>
+            <a:xfrm>
+              <a:off x="33286311" y="14654686"/>
+              <a:ext cx="814934" cy="822869"/>
+            </a:xfrm>
+            <a:prstGeom prst="pie">
+              <a:avLst>
+                <a:gd name="adj1" fmla="val 18086040"/>
+                <a:gd name="adj2" fmla="val 21589877"/>
+              </a:avLst>
+            </a:prstGeom>
+            <a:gradFill flip="none" rotWithShape="1">
+              <a:gsLst>
+                <a:gs pos="29000">
+                  <a:schemeClr val="accent6">
+                    <a:lumMod val="60000"/>
+                    <a:lumOff val="40000"/>
+                  </a:schemeClr>
+                </a:gs>
+                <a:gs pos="86000">
+                  <a:schemeClr val="accent6">
+                    <a:lumMod val="75000"/>
+                  </a:schemeClr>
+                </a:gs>
+                <a:gs pos="93000">
+                  <a:schemeClr val="accent6">
+                    <a:lumMod val="50000"/>
+                  </a:schemeClr>
+                </a:gs>
+              </a:gsLst>
+              <a:path path="circle">
+                <a:fillToRect t="100000" r="100000"/>
+              </a:path>
+              <a:tileRect l="-100000" b="-100000"/>
+            </a:gradFill>
+            <a:ln>
+              <a:noFill/>
+            </a:ln>
+          </p:spPr>
+          <p:style>
+            <a:lnRef idx="2">
+              <a:schemeClr val="accent1">
+                <a:shade val="50000"/>
+              </a:schemeClr>
+            </a:lnRef>
+            <a:fillRef idx="1">
+              <a:schemeClr val="accent1"/>
+            </a:fillRef>
+            <a:effectRef idx="0">
+              <a:schemeClr val="accent1"/>
+            </a:effectRef>
+            <a:fontRef idx="minor">
+              <a:schemeClr val="lt1"/>
+            </a:fontRef>
+          </p:style>
+          <p:txBody>
+            <a:bodyPr rtlCol="0" anchor="ctr"/>
+            <a:lstStyle/>
+            <a:p>
+              <a:pPr algn="ctr"/>
+              <a:endParaRPr lang="en-US"/>
+            </a:p>
+          </p:txBody>
+        </p:sp>
+        <p:sp>
+          <p:nvSpPr>
+            <p:cNvPr id="1286" name="Pie 1285"/>
+            <p:cNvSpPr/>
+            <p:nvPr/>
+          </p:nvSpPr>
+          <p:spPr>
+            <a:xfrm>
+              <a:off x="33289189" y="14652781"/>
+              <a:ext cx="814934" cy="822869"/>
+            </a:xfrm>
+            <a:prstGeom prst="pie">
+              <a:avLst>
+                <a:gd name="adj1" fmla="val 7462695"/>
+                <a:gd name="adj2" fmla="val 10900923"/>
+              </a:avLst>
+            </a:prstGeom>
+            <a:gradFill flip="none" rotWithShape="1">
+              <a:gsLst>
+                <a:gs pos="29000">
+                  <a:srgbClr val="F9B7B5"/>
+                </a:gs>
+                <a:gs pos="86000">
+                  <a:srgbClr val="D93427"/>
+                </a:gs>
+                <a:gs pos="93000">
+                  <a:srgbClr val="911B1B"/>
+                </a:gs>
+              </a:gsLst>
+              <a:path path="circle">
+                <a:fillToRect l="100000" b="100000"/>
+              </a:path>
+              <a:tileRect t="-100000" r="-100000"/>
+            </a:gradFill>
+            <a:ln>
+              <a:noFill/>
+            </a:ln>
+          </p:spPr>
+          <p:style>
+            <a:lnRef idx="2">
+              <a:schemeClr val="accent1">
+                <a:shade val="50000"/>
+              </a:schemeClr>
+            </a:lnRef>
+            <a:fillRef idx="1">
+              <a:schemeClr val="accent1"/>
+            </a:fillRef>
+            <a:effectRef idx="0">
+              <a:schemeClr val="accent1"/>
+            </a:effectRef>
+            <a:fontRef idx="minor">
+              <a:schemeClr val="lt1"/>
+            </a:fontRef>
+          </p:style>
+          <p:txBody>
+            <a:bodyPr rtlCol="0" anchor="ctr"/>
+            <a:lstStyle/>
+            <a:p>
+              <a:pPr algn="ctr"/>
+              <a:endParaRPr lang="en-US"/>
+            </a:p>
+          </p:txBody>
+        </p:sp>
+        <p:sp>
+          <p:nvSpPr>
+            <p:cNvPr id="1578" name="Pie 1577"/>
+            <p:cNvSpPr/>
+            <p:nvPr/>
+          </p:nvSpPr>
+          <p:spPr>
+            <a:xfrm rot="10800000">
+              <a:off x="33286211" y="14654685"/>
+              <a:ext cx="814934" cy="822869"/>
+            </a:xfrm>
+            <a:prstGeom prst="pie">
+              <a:avLst>
+                <a:gd name="adj1" fmla="val 10765139"/>
+                <a:gd name="adj2" fmla="val 14444240"/>
+              </a:avLst>
+            </a:prstGeom>
+            <a:gradFill flip="none" rotWithShape="1">
+              <a:gsLst>
+                <a:gs pos="29000">
+                  <a:schemeClr val="accent4">
+                    <a:lumMod val="60000"/>
+                    <a:lumOff val="40000"/>
+                  </a:schemeClr>
+                </a:gs>
+                <a:gs pos="86000">
+                  <a:schemeClr val="accent4">
+                    <a:lumMod val="75000"/>
+                  </a:schemeClr>
+                </a:gs>
+                <a:gs pos="93000">
+                  <a:schemeClr val="accent4">
+                    <a:lumMod val="50000"/>
+                  </a:schemeClr>
+                </a:gs>
+              </a:gsLst>
+              <a:path path="circle">
+                <a:fillToRect l="100000" t="100000"/>
+              </a:path>
+              <a:tileRect r="-100000" b="-100000"/>
+            </a:gradFill>
+            <a:ln>
+              <a:noFill/>
+            </a:ln>
+          </p:spPr>
+          <p:style>
+            <a:lnRef idx="2">
+              <a:schemeClr val="accent1">
+                <a:shade val="50000"/>
+              </a:schemeClr>
+            </a:lnRef>
+            <a:fillRef idx="1">
+              <a:schemeClr val="accent1"/>
+            </a:fillRef>
+            <a:effectRef idx="0">
+              <a:schemeClr val="accent1"/>
+            </a:effectRef>
+            <a:fontRef idx="minor">
+              <a:schemeClr val="lt1"/>
+            </a:fontRef>
+          </p:style>
+          <p:txBody>
+            <a:bodyPr rtlCol="0" anchor="ctr"/>
+            <a:lstStyle/>
+            <a:p>
+              <a:pPr algn="ctr"/>
+              <a:endParaRPr lang="en-US"/>
+            </a:p>
+          </p:txBody>
+        </p:sp>
+        <p:sp>
+          <p:nvSpPr>
+            <p:cNvPr id="1579" name="Pie 1578"/>
+            <p:cNvSpPr/>
+            <p:nvPr/>
+          </p:nvSpPr>
+          <p:spPr>
+            <a:xfrm rot="7245328">
+              <a:off x="33287459" y="14654693"/>
+              <a:ext cx="814934" cy="822869"/>
+            </a:xfrm>
+            <a:prstGeom prst="pie">
+              <a:avLst>
+                <a:gd name="adj1" fmla="val 17958023"/>
+                <a:gd name="adj2" fmla="val 219705"/>
+              </a:avLst>
+            </a:prstGeom>
+            <a:gradFill flip="none" rotWithShape="1">
+              <a:gsLst>
+                <a:gs pos="29000">
+                  <a:schemeClr val="accent2">
+                    <a:lumMod val="60000"/>
+                    <a:lumOff val="40000"/>
+                  </a:schemeClr>
+                </a:gs>
+                <a:gs pos="86000">
+                  <a:schemeClr val="accent2">
+                    <a:lumMod val="75000"/>
+                  </a:schemeClr>
+                </a:gs>
+                <a:gs pos="93000">
+                  <a:schemeClr val="accent2">
+                    <a:lumMod val="50000"/>
+                  </a:schemeClr>
+                </a:gs>
+              </a:gsLst>
+              <a:path path="circle">
+                <a:fillToRect t="100000" r="100000"/>
+              </a:path>
+              <a:tileRect l="-100000" b="-100000"/>
+            </a:gradFill>
+            <a:ln>
+              <a:noFill/>
+            </a:ln>
+          </p:spPr>
+          <p:style>
+            <a:lnRef idx="2">
+              <a:schemeClr val="accent1">
+                <a:shade val="50000"/>
+              </a:schemeClr>
+            </a:lnRef>
+            <a:fillRef idx="1">
+              <a:schemeClr val="accent1"/>
+            </a:fillRef>
+            <a:effectRef idx="0">
+              <a:schemeClr val="accent1"/>
+            </a:effectRef>
+            <a:fontRef idx="minor">
+              <a:schemeClr val="lt1"/>
+            </a:fontRef>
+          </p:style>
+          <p:txBody>
+            <a:bodyPr rtlCol="0" anchor="ctr"/>
+            <a:lstStyle/>
+            <a:p>
+              <a:pPr algn="ctr"/>
+              <a:endParaRPr lang="en-US"/>
+            </a:p>
+          </p:txBody>
+        </p:sp>
+        <p:sp>
+          <p:nvSpPr>
+            <p:cNvPr id="1580" name="Pie 1579"/>
+            <p:cNvSpPr/>
+            <p:nvPr/>
+          </p:nvSpPr>
+          <p:spPr>
+            <a:xfrm>
+              <a:off x="33289605" y="14652781"/>
+              <a:ext cx="814934" cy="822869"/>
+            </a:xfrm>
+            <a:prstGeom prst="pie">
+              <a:avLst>
+                <a:gd name="adj1" fmla="val 10829606"/>
+                <a:gd name="adj2" fmla="val 14444240"/>
+              </a:avLst>
+            </a:prstGeom>
+            <a:gradFill flip="none" rotWithShape="1">
+              <a:gsLst>
+                <a:gs pos="29000">
+                  <a:srgbClr val="E0BFE3"/>
+                </a:gs>
+                <a:gs pos="86000">
+                  <a:srgbClr val="BA5CBC"/>
+                </a:gs>
+                <a:gs pos="93000">
+                  <a:srgbClr val="643282"/>
+                </a:gs>
+              </a:gsLst>
+              <a:path path="circle">
+                <a:fillToRect l="100000" t="100000"/>
+              </a:path>
+              <a:tileRect r="-100000" b="-100000"/>
+            </a:gradFill>
+            <a:ln>
+              <a:noFill/>
+            </a:ln>
+          </p:spPr>
+          <p:style>
+            <a:lnRef idx="2">
+              <a:schemeClr val="accent1">
+                <a:shade val="50000"/>
+              </a:schemeClr>
+            </a:lnRef>
+            <a:fillRef idx="1">
+              <a:schemeClr val="accent1"/>
+            </a:fillRef>
+            <a:effectRef idx="0">
+              <a:schemeClr val="accent1"/>
+            </a:effectRef>
+            <a:fontRef idx="minor">
+              <a:schemeClr val="lt1"/>
+            </a:fontRef>
+          </p:style>
+          <p:txBody>
+            <a:bodyPr rtlCol="0" anchor="ctr"/>
+            <a:lstStyle/>
+            <a:p>
+              <a:pPr algn="ctr"/>
+              <a:endParaRPr lang="en-US"/>
+            </a:p>
+          </p:txBody>
+        </p:sp>
+        <p:sp>
+          <p:nvSpPr>
+            <p:cNvPr id="1581" name="Pie 1580"/>
+            <p:cNvSpPr/>
+            <p:nvPr/>
+          </p:nvSpPr>
+          <p:spPr>
+            <a:xfrm rot="17979313">
+              <a:off x="33287785" y="14653789"/>
+              <a:ext cx="814934" cy="822869"/>
+            </a:xfrm>
+            <a:prstGeom prst="pie">
+              <a:avLst>
+                <a:gd name="adj1" fmla="val 17958023"/>
+                <a:gd name="adj2" fmla="val 105135"/>
+              </a:avLst>
+            </a:prstGeom>
+            <a:gradFill flip="none" rotWithShape="1">
+              <a:gsLst>
+                <a:gs pos="29000">
+                  <a:schemeClr val="accent5">
+                    <a:lumMod val="60000"/>
+                    <a:lumOff val="40000"/>
+                  </a:schemeClr>
+                </a:gs>
+                <a:gs pos="86000">
+                  <a:schemeClr val="accent5">
+                    <a:lumMod val="75000"/>
+                  </a:schemeClr>
+                </a:gs>
+                <a:gs pos="93000">
+                  <a:schemeClr val="accent5">
+                    <a:lumMod val="50000"/>
+                  </a:schemeClr>
+                </a:gs>
+              </a:gsLst>
+              <a:path path="circle">
+                <a:fillToRect t="100000" r="100000"/>
+              </a:path>
+              <a:tileRect l="-100000" b="-100000"/>
+            </a:gradFill>
+            <a:ln>
+              <a:noFill/>
+            </a:ln>
+          </p:spPr>
+          <p:style>
+            <a:lnRef idx="2">
+              <a:schemeClr val="accent1">
+                <a:shade val="50000"/>
+              </a:schemeClr>
+            </a:lnRef>
+            <a:fillRef idx="1">
+              <a:schemeClr val="accent1"/>
+            </a:fillRef>
+            <a:effectRef idx="0">
+              <a:schemeClr val="accent1"/>
+            </a:effectRef>
+            <a:fontRef idx="minor">
+              <a:schemeClr val="lt1"/>
+            </a:fontRef>
+          </p:style>
+          <p:txBody>
+            <a:bodyPr rtlCol="0" anchor="ctr"/>
+            <a:lstStyle/>
+            <a:p>
+              <a:pPr algn="ctr"/>
+              <a:endParaRPr lang="en-US"/>
+            </a:p>
+          </p:txBody>
+        </p:sp>
+      </p:grpSp>
     </p:spTree>
     <p:extLst>
       <p:ext uri="{BB962C8B-B14F-4D97-AF65-F5344CB8AC3E}">
